--- a/8강-강의준비20151218(Logistic Regreesion).pptx
+++ b/8강-강의준비20151218(Logistic Regreesion).pptx
@@ -6629,15 +6629,15 @@
     </dgm:pt>
   </dgm:ptLst>
   <dgm:cxnLst>
+    <dgm:cxn modelId="{DF4231E5-94E4-4051-8BA4-70DA24BE02AE}" srcId="{B139C8CB-1037-480F-B7FE-1EE949F240B3}" destId="{E786FB4A-D5AE-47E9-9B47-2078CE76F805}" srcOrd="3" destOrd="0" parTransId="{2E2BB412-EA92-4C0A-9B20-0DBEC93A33BC}" sibTransId="{BFA01344-1B9C-4CE7-A845-C3962E971497}"/>
+    <dgm:cxn modelId="{DD59AA09-DDBF-4740-91D4-5BA47DA2F503}" type="presOf" srcId="{575270B3-0F53-4448-8224-29F73370B52E}" destId="{703C1FB9-C820-4AEF-B21F-A01893FED0A2}" srcOrd="0" destOrd="0" presId="urn:microsoft.com/office/officeart/2005/8/layout/vList2"/>
+    <dgm:cxn modelId="{619DD8B3-5028-4AA9-BE7D-900B7E423779}" srcId="{B139C8CB-1037-480F-B7FE-1EE949F240B3}" destId="{EF1306BB-6700-4C76-B6B4-D2B8557372EC}" srcOrd="1" destOrd="0" parTransId="{737EB2A5-2C50-41C0-B1CE-73B3F0F62929}" sibTransId="{D1018B08-23A2-4AFE-8F01-531C87F2F177}"/>
     <dgm:cxn modelId="{3CAD4924-973A-40C1-BDEF-EA8C8BE6719A}" srcId="{B139C8CB-1037-480F-B7FE-1EE949F240B3}" destId="{7CEF9FBE-3668-4EF6-9127-9BF5C938712D}" srcOrd="0" destOrd="0" parTransId="{3AB9502A-ECA5-4722-8E70-98711F1C09A2}" sibTransId="{541CED9F-80C0-4F7E-B5C1-2ECA1FD9C2EB}"/>
+    <dgm:cxn modelId="{C7E47279-8CE4-41DA-A10D-CB824763593C}" type="presOf" srcId="{B139C8CB-1037-480F-B7FE-1EE949F240B3}" destId="{61D470FD-3709-4BF2-8C0B-C5507B4B2088}" srcOrd="0" destOrd="0" presId="urn:microsoft.com/office/officeart/2005/8/layout/vList2"/>
+    <dgm:cxn modelId="{5E15C2A9-75A1-4C74-B338-11C761115371}" srcId="{B139C8CB-1037-480F-B7FE-1EE949F240B3}" destId="{575270B3-0F53-4448-8224-29F73370B52E}" srcOrd="2" destOrd="0" parTransId="{78C9F6F7-7C81-442F-96C3-6679BB2468D4}" sibTransId="{7AE30170-51AD-4E88-AF2A-8227211435E5}"/>
     <dgm:cxn modelId="{A8B63867-30A5-460D-BC86-D95D4B8D18D5}" type="presOf" srcId="{E786FB4A-D5AE-47E9-9B47-2078CE76F805}" destId="{AEB25965-2895-46D7-B119-79B0D20AD861}" srcOrd="0" destOrd="0" presId="urn:microsoft.com/office/officeart/2005/8/layout/vList2"/>
-    <dgm:cxn modelId="{5E15C2A9-75A1-4C74-B338-11C761115371}" srcId="{B139C8CB-1037-480F-B7FE-1EE949F240B3}" destId="{575270B3-0F53-4448-8224-29F73370B52E}" srcOrd="2" destOrd="0" parTransId="{78C9F6F7-7C81-442F-96C3-6679BB2468D4}" sibTransId="{7AE30170-51AD-4E88-AF2A-8227211435E5}"/>
-    <dgm:cxn modelId="{619DD8B3-5028-4AA9-BE7D-900B7E423779}" srcId="{B139C8CB-1037-480F-B7FE-1EE949F240B3}" destId="{EF1306BB-6700-4C76-B6B4-D2B8557372EC}" srcOrd="1" destOrd="0" parTransId="{737EB2A5-2C50-41C0-B1CE-73B3F0F62929}" sibTransId="{D1018B08-23A2-4AFE-8F01-531C87F2F177}"/>
+    <dgm:cxn modelId="{27228A9C-7AA1-4AB9-84C4-F0C60A972064}" type="presOf" srcId="{EF1306BB-6700-4C76-B6B4-D2B8557372EC}" destId="{34EF920E-7E66-403F-9B9C-76F0C5B6341B}" srcOrd="0" destOrd="0" presId="urn:microsoft.com/office/officeart/2005/8/layout/vList2"/>
     <dgm:cxn modelId="{3B348A04-D941-4F44-9FE9-50D802BCC05F}" type="presOf" srcId="{7CEF9FBE-3668-4EF6-9127-9BF5C938712D}" destId="{BA91EADA-3119-45FE-9E76-E2E86CF9130F}" srcOrd="0" destOrd="0" presId="urn:microsoft.com/office/officeart/2005/8/layout/vList2"/>
-    <dgm:cxn modelId="{DD59AA09-DDBF-4740-91D4-5BA47DA2F503}" type="presOf" srcId="{575270B3-0F53-4448-8224-29F73370B52E}" destId="{703C1FB9-C820-4AEF-B21F-A01893FED0A2}" srcOrd="0" destOrd="0" presId="urn:microsoft.com/office/officeart/2005/8/layout/vList2"/>
-    <dgm:cxn modelId="{27228A9C-7AA1-4AB9-84C4-F0C60A972064}" type="presOf" srcId="{EF1306BB-6700-4C76-B6B4-D2B8557372EC}" destId="{34EF920E-7E66-403F-9B9C-76F0C5B6341B}" srcOrd="0" destOrd="0" presId="urn:microsoft.com/office/officeart/2005/8/layout/vList2"/>
-    <dgm:cxn modelId="{DF4231E5-94E4-4051-8BA4-70DA24BE02AE}" srcId="{B139C8CB-1037-480F-B7FE-1EE949F240B3}" destId="{E786FB4A-D5AE-47E9-9B47-2078CE76F805}" srcOrd="3" destOrd="0" parTransId="{2E2BB412-EA92-4C0A-9B20-0DBEC93A33BC}" sibTransId="{BFA01344-1B9C-4CE7-A845-C3962E971497}"/>
-    <dgm:cxn modelId="{C7E47279-8CE4-41DA-A10D-CB824763593C}" type="presOf" srcId="{B139C8CB-1037-480F-B7FE-1EE949F240B3}" destId="{61D470FD-3709-4BF2-8C0B-C5507B4B2088}" srcOrd="0" destOrd="0" presId="urn:microsoft.com/office/officeart/2005/8/layout/vList2"/>
     <dgm:cxn modelId="{AC5552EC-7155-4A04-9D74-08500B7FDF8F}" type="presParOf" srcId="{61D470FD-3709-4BF2-8C0B-C5507B4B2088}" destId="{BA91EADA-3119-45FE-9E76-E2E86CF9130F}" srcOrd="0" destOrd="0" presId="urn:microsoft.com/office/officeart/2005/8/layout/vList2"/>
     <dgm:cxn modelId="{FDE3A525-9B9E-43CD-BB7D-3ADAD983D897}" type="presParOf" srcId="{61D470FD-3709-4BF2-8C0B-C5507B4B2088}" destId="{65C5F8F2-0268-4B91-A899-5A0287AAB68D}" srcOrd="1" destOrd="0" presId="urn:microsoft.com/office/officeart/2005/8/layout/vList2"/>
     <dgm:cxn modelId="{22CA4690-32BC-465D-B43F-96721132D50F}" type="presParOf" srcId="{61D470FD-3709-4BF2-8C0B-C5507B4B2088}" destId="{34EF920E-7E66-403F-9B9C-76F0C5B6341B}" srcOrd="2" destOrd="0" presId="urn:microsoft.com/office/officeart/2005/8/layout/vList2"/>
@@ -7763,17 +7763,17 @@
     </dgm:pt>
   </dgm:ptLst>
   <dgm:cxnLst>
+    <dgm:cxn modelId="{66446D20-263B-4047-AF69-5D899177E22B}" srcId="{64CC74A9-1640-48A9-A4D7-3765570643B5}" destId="{C10D5CF7-10FC-4140-BC7B-CAC2E6655956}" srcOrd="2" destOrd="0" parTransId="{FD67DCDE-C542-4095-A7EF-2B0D360C67EF}" sibTransId="{2106A61A-1DE8-44E6-945A-D324093D7681}"/>
+    <dgm:cxn modelId="{4E731A03-4686-41C0-A561-3856B36BCA4E}" srcId="{64CC74A9-1640-48A9-A4D7-3765570643B5}" destId="{56ADBCF4-3659-4F66-8642-F4EF22D43860}" srcOrd="0" destOrd="0" parTransId="{18EA5A2D-05DB-4A4C-AC3F-041D4FAA0793}" sibTransId="{24AEF2A9-7639-40EB-BCC2-807E345730F1}"/>
     <dgm:cxn modelId="{531BCE1B-4CD7-47F1-A3E7-3D10437097A0}" type="presOf" srcId="{5D9082CE-B909-4E11-8405-6D877E1196CB}" destId="{3B6777E5-523A-423E-96FA-6AEEDB6748CF}" srcOrd="0" destOrd="0" presId="urn:microsoft.com/office/officeart/2008/layout/LinedList"/>
-    <dgm:cxn modelId="{049E8E55-86BA-4FFA-B913-9EBB99F454B6}" srcId="{64CC74A9-1640-48A9-A4D7-3765570643B5}" destId="{B066C515-A5FF-4F31-8A4C-AD033EEF88B1}" srcOrd="1" destOrd="0" parTransId="{910482D2-3D4F-4247-A9C2-3191E7D01D5C}" sibTransId="{1C0F2022-BF56-4EB3-99BA-DABB189AA9BE}"/>
-    <dgm:cxn modelId="{4E731A03-4686-41C0-A561-3856B36BCA4E}" srcId="{64CC74A9-1640-48A9-A4D7-3765570643B5}" destId="{56ADBCF4-3659-4F66-8642-F4EF22D43860}" srcOrd="0" destOrd="0" parTransId="{18EA5A2D-05DB-4A4C-AC3F-041D4FAA0793}" sibTransId="{24AEF2A9-7639-40EB-BCC2-807E345730F1}"/>
-    <dgm:cxn modelId="{A19448D8-FA84-4DD5-B2A7-C13B52A043CE}" srcId="{19063929-735E-47B9-8609-CBFF91BD723B}" destId="{64CC74A9-1640-48A9-A4D7-3765570643B5}" srcOrd="0" destOrd="0" parTransId="{43CFB7FB-B234-48DD-97AC-535965153580}" sibTransId="{5485DB2F-70F9-4BEA-96EE-64C014491A7A}"/>
-    <dgm:cxn modelId="{28D04206-16BF-41E0-8159-79D3EF48233C}" srcId="{64CC74A9-1640-48A9-A4D7-3765570643B5}" destId="{5D9082CE-B909-4E11-8405-6D877E1196CB}" srcOrd="3" destOrd="0" parTransId="{E7836B78-E63B-40E9-9B9E-12BACF772633}" sibTransId="{9160D107-62A1-449E-B0B3-4BF919ADED59}"/>
-    <dgm:cxn modelId="{64FF3505-6978-493D-B97E-FAFB7EDC2BB0}" type="presOf" srcId="{19063929-735E-47B9-8609-CBFF91BD723B}" destId="{F6FCC14B-14EF-43EC-8110-7FEFAE8EEE68}" srcOrd="0" destOrd="0" presId="urn:microsoft.com/office/officeart/2008/layout/LinedList"/>
-    <dgm:cxn modelId="{66446D20-263B-4047-AF69-5D899177E22B}" srcId="{64CC74A9-1640-48A9-A4D7-3765570643B5}" destId="{C10D5CF7-10FC-4140-BC7B-CAC2E6655956}" srcOrd="2" destOrd="0" parTransId="{FD67DCDE-C542-4095-A7EF-2B0D360C67EF}" sibTransId="{2106A61A-1DE8-44E6-945A-D324093D7681}"/>
-    <dgm:cxn modelId="{916012F0-1A12-4760-BD79-A257F8970704}" type="presOf" srcId="{64CC74A9-1640-48A9-A4D7-3765570643B5}" destId="{62FE130A-6F1A-47F2-987B-525ADB1E47DB}" srcOrd="0" destOrd="0" presId="urn:microsoft.com/office/officeart/2008/layout/LinedList"/>
-    <dgm:cxn modelId="{22B7DC92-B27A-4B75-BC06-1539F0627CB8}" type="presOf" srcId="{56ADBCF4-3659-4F66-8642-F4EF22D43860}" destId="{502090BA-B832-46CB-B05B-8997A17C7BE6}" srcOrd="0" destOrd="0" presId="urn:microsoft.com/office/officeart/2008/layout/LinedList"/>
     <dgm:cxn modelId="{DEC56EB9-A7D7-4958-B8CB-B895B469F10D}" type="presOf" srcId="{C10D5CF7-10FC-4140-BC7B-CAC2E6655956}" destId="{36FD0C8C-82A2-4832-AE6A-004B79D1BAAD}" srcOrd="0" destOrd="0" presId="urn:microsoft.com/office/officeart/2008/layout/LinedList"/>
     <dgm:cxn modelId="{36ED7926-CD84-4C5B-A45E-6DEACD6BDB38}" type="presOf" srcId="{B066C515-A5FF-4F31-8A4C-AD033EEF88B1}" destId="{058D6D1E-01E2-4548-B843-7760B1F4FAD5}" srcOrd="0" destOrd="0" presId="urn:microsoft.com/office/officeart/2008/layout/LinedList"/>
+    <dgm:cxn modelId="{049E8E55-86BA-4FFA-B913-9EBB99F454B6}" srcId="{64CC74A9-1640-48A9-A4D7-3765570643B5}" destId="{B066C515-A5FF-4F31-8A4C-AD033EEF88B1}" srcOrd="1" destOrd="0" parTransId="{910482D2-3D4F-4247-A9C2-3191E7D01D5C}" sibTransId="{1C0F2022-BF56-4EB3-99BA-DABB189AA9BE}"/>
+    <dgm:cxn modelId="{A19448D8-FA84-4DD5-B2A7-C13B52A043CE}" srcId="{19063929-735E-47B9-8609-CBFF91BD723B}" destId="{64CC74A9-1640-48A9-A4D7-3765570643B5}" srcOrd="0" destOrd="0" parTransId="{43CFB7FB-B234-48DD-97AC-535965153580}" sibTransId="{5485DB2F-70F9-4BEA-96EE-64C014491A7A}"/>
+    <dgm:cxn modelId="{916012F0-1A12-4760-BD79-A257F8970704}" type="presOf" srcId="{64CC74A9-1640-48A9-A4D7-3765570643B5}" destId="{62FE130A-6F1A-47F2-987B-525ADB1E47DB}" srcOrd="0" destOrd="0" presId="urn:microsoft.com/office/officeart/2008/layout/LinedList"/>
+    <dgm:cxn modelId="{64FF3505-6978-493D-B97E-FAFB7EDC2BB0}" type="presOf" srcId="{19063929-735E-47B9-8609-CBFF91BD723B}" destId="{F6FCC14B-14EF-43EC-8110-7FEFAE8EEE68}" srcOrd="0" destOrd="0" presId="urn:microsoft.com/office/officeart/2008/layout/LinedList"/>
+    <dgm:cxn modelId="{22B7DC92-B27A-4B75-BC06-1539F0627CB8}" type="presOf" srcId="{56ADBCF4-3659-4F66-8642-F4EF22D43860}" destId="{502090BA-B832-46CB-B05B-8997A17C7BE6}" srcOrd="0" destOrd="0" presId="urn:microsoft.com/office/officeart/2008/layout/LinedList"/>
+    <dgm:cxn modelId="{28D04206-16BF-41E0-8159-79D3EF48233C}" srcId="{64CC74A9-1640-48A9-A4D7-3765570643B5}" destId="{5D9082CE-B909-4E11-8405-6D877E1196CB}" srcOrd="3" destOrd="0" parTransId="{E7836B78-E63B-40E9-9B9E-12BACF772633}" sibTransId="{9160D107-62A1-449E-B0B3-4BF919ADED59}"/>
     <dgm:cxn modelId="{2FEF0EC4-0882-4CAE-9C24-A3F80F565F08}" type="presParOf" srcId="{F6FCC14B-14EF-43EC-8110-7FEFAE8EEE68}" destId="{1AD9451C-F89D-4037-BCC1-D2360B752E6A}" srcOrd="0" destOrd="0" presId="urn:microsoft.com/office/officeart/2008/layout/LinedList"/>
     <dgm:cxn modelId="{7C4529B9-F837-47CA-AB34-5AB2CBC3C65F}" type="presParOf" srcId="{F6FCC14B-14EF-43EC-8110-7FEFAE8EEE68}" destId="{5FCC817C-3D68-4F63-B0F1-37ED3474DC6D}" srcOrd="1" destOrd="0" presId="urn:microsoft.com/office/officeart/2008/layout/LinedList"/>
     <dgm:cxn modelId="{C70AA912-4725-42F1-8649-CDC70D77D200}" type="presParOf" srcId="{5FCC817C-3D68-4F63-B0F1-37ED3474DC6D}" destId="{62FE130A-6F1A-47F2-987B-525ADB1E47DB}" srcOrd="0" destOrd="0" presId="urn:microsoft.com/office/officeart/2008/layout/LinedList"/>
@@ -7890,22 +7890,7 @@
                 </a:outerShdw>
               </a:effectLst>
             </a:rPr>
-            <a:t>모델 계산 및 </a:t>
-          </a:r>
-          <a:r>
-            <a:rPr lang="ko-KR" altLang="en-US" b="1" dirty="0" smtClean="0">
-              <a:solidFill>
-                <a:srgbClr val="FF0000"/>
-              </a:solidFill>
-              <a:effectLst>
-                <a:outerShdw blurRad="38100" dist="38100" dir="2700000" algn="tl">
-                  <a:srgbClr val="000000">
-                    <a:alpha val="43137"/>
-                  </a:srgbClr>
-                </a:outerShdw>
-              </a:effectLst>
-            </a:rPr>
-            <a:t>테스트</a:t>
+            <a:t>모델 계산 및 테스트</a:t>
           </a:r>
           <a:endParaRPr lang="ko-KR" altLang="en-US" b="1" dirty="0">
             <a:solidFill>
@@ -8393,16 +8378,7 @@
               </a:solidFill>
               <a:effectLst/>
             </a:rPr>
-            <a:t>모델 계산 및 </a:t>
-          </a:r>
-          <a:r>
-            <a:rPr lang="ko-KR" altLang="en-US" b="0" dirty="0" smtClean="0">
-              <a:solidFill>
-                <a:schemeClr val="accent1"/>
-              </a:solidFill>
-              <a:effectLst/>
-            </a:rPr>
-            <a:t>테스트</a:t>
+            <a:t>모델 계산 및 테스트</a:t>
           </a:r>
           <a:endParaRPr lang="ko-KR" altLang="en-US" b="0" dirty="0">
             <a:solidFill>
@@ -8896,16 +8872,7 @@
               </a:solidFill>
               <a:effectLst/>
             </a:rPr>
-            <a:t>모델 계산 및 </a:t>
-          </a:r>
-          <a:r>
-            <a:rPr lang="ko-KR" altLang="en-US" b="0" dirty="0" smtClean="0">
-              <a:solidFill>
-                <a:schemeClr val="accent1"/>
-              </a:solidFill>
-              <a:effectLst/>
-            </a:rPr>
-            <a:t>테스트</a:t>
+            <a:t>모델 계산 및 테스트</a:t>
           </a:r>
           <a:endParaRPr lang="ko-KR" altLang="en-US" b="0" dirty="0">
             <a:solidFill>
@@ -12002,22 +11969,7 @@
                 </a:outerShdw>
               </a:effectLst>
             </a:rPr>
-            <a:t>모델 계산 및 </a:t>
-          </a:r>
-          <a:r>
-            <a:rPr lang="ko-KR" altLang="en-US" sz="4300" b="1" kern="1200" dirty="0" smtClean="0">
-              <a:solidFill>
-                <a:srgbClr val="FF0000"/>
-              </a:solidFill>
-              <a:effectLst>
-                <a:outerShdw blurRad="38100" dist="38100" dir="2700000" algn="tl">
-                  <a:srgbClr val="000000">
-                    <a:alpha val="43137"/>
-                  </a:srgbClr>
-                </a:outerShdw>
-              </a:effectLst>
-            </a:rPr>
-            <a:t>테스트</a:t>
+            <a:t>모델 계산 및 테스트</a:t>
           </a:r>
           <a:endParaRPr lang="ko-KR" altLang="en-US" sz="4300" b="1" kern="1200" dirty="0">
             <a:solidFill>
@@ -12621,16 +12573,7 @@
               </a:solidFill>
               <a:effectLst/>
             </a:rPr>
-            <a:t>모델 계산 및 </a:t>
-          </a:r>
-          <a:r>
-            <a:rPr lang="ko-KR" altLang="en-US" sz="4300" b="0" kern="1200" dirty="0" smtClean="0">
-              <a:solidFill>
-                <a:schemeClr val="accent1"/>
-              </a:solidFill>
-              <a:effectLst/>
-            </a:rPr>
-            <a:t>테스트</a:t>
+            <a:t>모델 계산 및 테스트</a:t>
           </a:r>
           <a:endParaRPr lang="ko-KR" altLang="en-US" sz="4300" b="0" kern="1200" dirty="0">
             <a:solidFill>
@@ -13240,16 +13183,7 @@
               </a:solidFill>
               <a:effectLst/>
             </a:rPr>
-            <a:t>모델 계산 및 </a:t>
-          </a:r>
-          <a:r>
-            <a:rPr lang="ko-KR" altLang="en-US" sz="4300" b="0" kern="1200" dirty="0" smtClean="0">
-              <a:solidFill>
-                <a:schemeClr val="accent1"/>
-              </a:solidFill>
-              <a:effectLst/>
-            </a:rPr>
-            <a:t>테스트</a:t>
+            <a:t>모델 계산 및 테스트</a:t>
           </a:r>
           <a:endParaRPr lang="ko-KR" altLang="en-US" sz="4300" b="0" kern="1200" dirty="0">
             <a:solidFill>
@@ -25048,7 +24982,7 @@
             <a:fld id="{EC13577B-6902-467D-A26C-08A0DD5E4E03}" type="datetimeFigureOut">
               <a:rPr lang="en-US" altLang="ko-KR" smtClean="0"/>
               <a:pPr/>
-              <a:t>12/18/2015</a:t>
+              <a:t>12/19/2015</a:t>
             </a:fld>
             <a:endParaRPr lang="ko-KR" altLang="en-US" dirty="0"/>
           </a:p>
@@ -25492,7 +25426,7 @@
           <a:p>
             <a:fld id="{8BEEBAAA-29B5-4AF5-BC5F-7E580C29002D}" type="datetimeFigureOut">
               <a:rPr lang="en-US" smtClean="0"/>
-              <a:t>12/18/2015</a:t>
+              <a:t>12/19/2015</a:t>
             </a:fld>
             <a:endParaRPr lang="en-US"/>
           </a:p>
@@ -26303,7 +26237,7 @@
           <a:p>
             <a:fld id="{8BEEBAAA-29B5-4AF5-BC5F-7E580C29002D}" type="datetimeFigureOut">
               <a:rPr lang="en-US" smtClean="0"/>
-              <a:t>12/18/2015</a:t>
+              <a:t>12/19/2015</a:t>
             </a:fld>
             <a:endParaRPr lang="en-US"/>
           </a:p>
@@ -26860,7 +26794,7 @@
             <a:fld id="{8BEEBAAA-29B5-4AF5-BC5F-7E580C29002D}" type="datetimeFigureOut">
               <a:rPr lang="en-US" altLang="ko-KR" smtClean="0"/>
               <a:pPr/>
-              <a:t>12/18/2015</a:t>
+              <a:t>12/19/2015</a:t>
             </a:fld>
             <a:endParaRPr lang="ko-KR" altLang="en-US" dirty="0"/>
           </a:p>
@@ -27295,15 +27229,7 @@
                   <a:schemeClr val="bg1"/>
                 </a:solidFill>
               </a:rPr>
-              <a:t>Logistic </a:t>
-            </a:r>
-            <a:r>
-              <a:rPr lang="en-US" altLang="ko-KR" sz="4800" dirty="0" smtClean="0">
-                <a:solidFill>
-                  <a:schemeClr val="bg1"/>
-                </a:solidFill>
-              </a:rPr>
-              <a:t>Regression</a:t>
+              <a:t>Logistic Regression</a:t>
             </a:r>
             <a:endParaRPr lang="ko-KR" altLang="en-US" sz="4800" dirty="0">
               <a:solidFill>
@@ -27354,6 +27280,30 @@
           </a:p>
         </p:txBody>
       </p:sp>
+      <p:pic>
+        <p:nvPicPr>
+          <p:cNvPr id="4" name="그림 3"/>
+          <p:cNvPicPr>
+            <a:picLocks noChangeAspect="1"/>
+          </p:cNvPicPr>
+          <p:nvPr/>
+        </p:nvPicPr>
+        <p:blipFill>
+          <a:blip r:embed="rId3"/>
+          <a:stretch>
+            <a:fillRect/>
+          </a:stretch>
+        </p:blipFill>
+        <p:spPr>
+          <a:xfrm>
+            <a:off x="6836966" y="347132"/>
+            <a:ext cx="5058471" cy="6167385"/>
+          </a:xfrm>
+          <a:prstGeom prst="rect">
+            <a:avLst/>
+          </a:prstGeom>
+        </p:spPr>
+      </p:pic>
     </p:spTree>
     <p:extLst>
       <p:ext uri="{BB962C8B-B14F-4D97-AF65-F5344CB8AC3E}">
@@ -27762,7 +27712,14 @@
                 <a:latin typeface="나눔고딕코딩" panose="020D0009000000000000" pitchFamily="49" charset="-127"/>
                 <a:ea typeface="나눔고딕코딩" panose="020D0009000000000000" pitchFamily="49" charset="-127"/>
               </a:rPr>
-              <a:t>크기가 작을 수록 생존 빈도가 높다</a:t>
+              <a:t>크기가 작을 수록 </a:t>
+            </a:r>
+            <a:r>
+              <a:rPr lang="ko-KR" altLang="en-US" sz="2400" b="1" dirty="0" smtClean="0">
+                <a:latin typeface="나눔고딕코딩" panose="020D0009000000000000" pitchFamily="49" charset="-127"/>
+                <a:ea typeface="나눔고딕코딩" panose="020D0009000000000000" pitchFamily="49" charset="-127"/>
+              </a:rPr>
+              <a:t>생존에 유리하다</a:t>
             </a:r>
             <a:r>
               <a:rPr lang="en-US" altLang="ko-KR" sz="2400" b="1" dirty="0" smtClean="0">
@@ -28109,7 +28066,7 @@
           <a:graphicData uri="http://schemas.openxmlformats.org/presentationml/2006/ole">
             <mc:AlternateContent xmlns:mc="http://schemas.openxmlformats.org/markup-compatibility/2006">
               <mc:Choice xmlns:v="urn:schemas-microsoft-com:vml" Requires="v">
-                <p:oleObj spid="_x0000_s8211" name="Formula" r:id="rId5" imgW="2196000" imgH="322920" progId="Equation.Ribbit">
+                <p:oleObj spid="_x0000_s8214" name="Formula" r:id="rId5" imgW="2196000" imgH="322920" progId="Equation.Ribbit">
                   <p:embed/>
                 </p:oleObj>
               </mc:Choice>
@@ -28317,7 +28274,6 @@
               <a:rPr lang="ko-KR" altLang="en-US" dirty="0"/>
               <a:t>모델 계산 및 테스트</a:t>
             </a:r>
-            <a:endParaRPr lang="ko-KR" altLang="en-US" dirty="0"/>
           </a:p>
         </p:txBody>
       </p:sp>
@@ -28432,10 +28388,6 @@
               </a:rPr>
               <a:t>수가 작을 수록 좋은 모델</a:t>
             </a:r>
-            <a:endParaRPr lang="ko-KR" altLang="en-US" sz="2400" b="1" dirty="0" smtClean="0">
-              <a:latin typeface="나눔고딕코딩" panose="020D0009000000000000" pitchFamily="49" charset="-127"/>
-              <a:ea typeface="나눔고딕코딩" panose="020D0009000000000000" pitchFamily="49" charset="-127"/>
-            </a:endParaRPr>
           </a:p>
         </p:txBody>
       </p:sp>
@@ -28910,10 +28862,6 @@
               </a:rPr>
               <a:t>예측 범위</a:t>
             </a:r>
-            <a:endParaRPr lang="ko-KR" altLang="en-US" sz="2400" b="1" dirty="0" smtClean="0">
-              <a:latin typeface="나눔고딕코딩" panose="020D0009000000000000" pitchFamily="49" charset="-127"/>
-              <a:ea typeface="나눔고딕코딩" panose="020D0009000000000000" pitchFamily="49" charset="-127"/>
-            </a:endParaRPr>
           </a:p>
         </p:txBody>
       </p:sp>
@@ -29010,7 +28958,7 @@
           <a:graphicData uri="http://schemas.openxmlformats.org/presentationml/2006/ole">
             <mc:AlternateContent xmlns:mc="http://schemas.openxmlformats.org/markup-compatibility/2006">
               <mc:Choice xmlns:v="urn:schemas-microsoft-com:vml" Requires="v">
-                <p:oleObj spid="_x0000_s9250" name="Formula" r:id="rId5" imgW="2196000" imgH="322920" progId="Equation.Ribbit">
+                <p:oleObj spid="_x0000_s9256" name="Formula" r:id="rId5" imgW="2196000" imgH="322920" progId="Equation.Ribbit">
                   <p:embed/>
                 </p:oleObj>
               </mc:Choice>
@@ -29072,7 +29020,7 @@
           <a:graphicData uri="http://schemas.openxmlformats.org/presentationml/2006/ole">
             <mc:AlternateContent xmlns:mc="http://schemas.openxmlformats.org/markup-compatibility/2006">
               <mc:Choice xmlns:v="urn:schemas-microsoft-com:vml" Requires="v">
-                <p:oleObj spid="_x0000_s9251" name="Formula" r:id="rId7" imgW="1611720" imgH="371160" progId="Equation.Ribbit">
+                <p:oleObj spid="_x0000_s9257" name="Formula" r:id="rId7" imgW="1611720" imgH="371160" progId="Equation.Ribbit">
                   <p:embed/>
                 </p:oleObj>
               </mc:Choice>
@@ -29269,10 +29217,6 @@
               </a:rPr>
               <a:t>으로 입력</a:t>
             </a:r>
-            <a:endParaRPr lang="ko-KR" altLang="en-US" sz="2400" b="1" dirty="0" smtClean="0">
-              <a:latin typeface="나눔고딕코딩" panose="020D0009000000000000" pitchFamily="49" charset="-127"/>
-              <a:ea typeface="나눔고딕코딩" panose="020D0009000000000000" pitchFamily="49" charset="-127"/>
-            </a:endParaRPr>
           </a:p>
         </p:txBody>
       </p:sp>
@@ -29767,27 +29711,7 @@
                 <a:latin typeface="나눔고딕코딩" panose="020D0009000000000000" pitchFamily="49" charset="-127"/>
                 <a:ea typeface="나눔고딕코딩" panose="020D0009000000000000" pitchFamily="49" charset="-127"/>
               </a:rPr>
-              <a:t>Logistic </a:t>
-            </a:r>
-            <a:r>
-              <a:rPr lang="en-US" altLang="ko-KR" sz="4000" b="1" dirty="0" smtClean="0">
-                <a:solidFill>
-                  <a:schemeClr val="accent4">
-                    <a:lumMod val="60000"/>
-                    <a:lumOff val="40000"/>
-                  </a:schemeClr>
-                </a:solidFill>
-                <a:effectLst>
-                  <a:outerShdw blurRad="38100" dist="38100" dir="2700000" algn="tl">
-                    <a:srgbClr val="000000">
-                      <a:alpha val="43137"/>
-                    </a:srgbClr>
-                  </a:outerShdw>
-                </a:effectLst>
-                <a:latin typeface="나눔고딕코딩" panose="020D0009000000000000" pitchFamily="49" charset="-127"/>
-                <a:ea typeface="나눔고딕코딩" panose="020D0009000000000000" pitchFamily="49" charset="-127"/>
-              </a:rPr>
-              <a:t>Regression</a:t>
+              <a:t>Logistic Regression</a:t>
             </a:r>
             <a:endParaRPr lang="ko-KR" altLang="en-US" sz="4000" b="1" dirty="0">
               <a:solidFill>
@@ -31157,24 +31081,7 @@
                 <a:latin typeface="나눔고딕코딩" panose="020D0009000000000000" pitchFamily="49" charset="-127"/>
                 <a:ea typeface="나눔고딕코딩" panose="020D0009000000000000" pitchFamily="49" charset="-127"/>
               </a:rPr>
-              <a:t>outcome(</a:t>
-            </a:r>
-            <a:r>
-              <a:rPr lang="en-US" altLang="ko-KR" sz="2400" b="1" dirty="0" smtClean="0">
-                <a:solidFill>
-                  <a:schemeClr val="bg1"/>
-                </a:solidFill>
-                <a:effectLst>
-                  <a:outerShdw blurRad="38100" dist="38100" dir="2700000" algn="tl">
-                    <a:srgbClr val="000000">
-                      <a:alpha val="43137"/>
-                    </a:srgbClr>
-                  </a:outerShdw>
-                </a:effectLst>
-                <a:latin typeface="나눔고딕코딩" panose="020D0009000000000000" pitchFamily="49" charset="-127"/>
-                <a:ea typeface="나눔고딕코딩" panose="020D0009000000000000" pitchFamily="49" charset="-127"/>
-              </a:rPr>
-              <a:t>response)</a:t>
+              <a:t>outcome(response)</a:t>
             </a:r>
             <a:r>
               <a:rPr lang="ko-KR" altLang="en-US" sz="2400" b="1" dirty="0" smtClean="0">
@@ -31191,7 +31098,41 @@
                 <a:latin typeface="나눔고딕코딩" panose="020D0009000000000000" pitchFamily="49" charset="-127"/>
                 <a:ea typeface="나눔고딕코딩" panose="020D0009000000000000" pitchFamily="49" charset="-127"/>
               </a:rPr>
-              <a:t>로 하고 꽃받침과 꽃잎의 너비와 길이를 설명 변수로 하는 데이터이다</a:t>
+              <a:t>로 하고 꽃받침과 꽃잎의 너비와 길이를 설명 변수로 </a:t>
+            </a:r>
+            <a:r>
+              <a:rPr lang="ko-KR" altLang="en-US" sz="2400" b="1" smtClean="0">
+                <a:solidFill>
+                  <a:schemeClr val="bg1"/>
+                </a:solidFill>
+                <a:effectLst>
+                  <a:outerShdw blurRad="38100" dist="38100" dir="2700000" algn="tl">
+                    <a:srgbClr val="000000">
+                      <a:alpha val="43137"/>
+                    </a:srgbClr>
+                  </a:outerShdw>
+                </a:effectLst>
+                <a:latin typeface="나눔고딕코딩" panose="020D0009000000000000" pitchFamily="49" charset="-127"/>
+                <a:ea typeface="나눔고딕코딩" panose="020D0009000000000000" pitchFamily="49" charset="-127"/>
+              </a:rPr>
+              <a:t>하는 </a:t>
+            </a:r>
+            <a:r>
+              <a:rPr lang="ko-KR" altLang="en-US" sz="2400" b="1" smtClean="0">
+                <a:solidFill>
+                  <a:schemeClr val="bg1"/>
+                </a:solidFill>
+                <a:effectLst>
+                  <a:outerShdw blurRad="38100" dist="38100" dir="2700000" algn="tl">
+                    <a:srgbClr val="000000">
+                      <a:alpha val="43137"/>
+                    </a:srgbClr>
+                  </a:outerShdw>
+                </a:effectLst>
+                <a:latin typeface="나눔고딕코딩" panose="020D0009000000000000" pitchFamily="49" charset="-127"/>
+                <a:ea typeface="나눔고딕코딩" panose="020D0009000000000000" pitchFamily="49" charset="-127"/>
+              </a:rPr>
+              <a:t>데이터가 저장되어 있다</a:t>
             </a:r>
             <a:r>
               <a:rPr lang="en-US" altLang="ko-KR" sz="2400" b="1" dirty="0" smtClean="0">
@@ -32685,7 +32626,7 @@
           <a:graphicData uri="http://schemas.openxmlformats.org/presentationml/2006/ole">
             <mc:AlternateContent xmlns:mc="http://schemas.openxmlformats.org/markup-compatibility/2006">
               <mc:Choice xmlns:v="urn:schemas-microsoft-com:vml" Requires="v">
-                <p:oleObj spid="_x0000_s4164" name="Formula" r:id="rId3" imgW="2133720" imgH="437040" progId="Equation.Ribbit">
+                <p:oleObj spid="_x0000_s4170" name="Formula" r:id="rId3" imgW="2133720" imgH="437040" progId="Equation.Ribbit">
                   <p:embed/>
                 </p:oleObj>
               </mc:Choice>
@@ -32827,7 +32768,7 @@
           <a:graphicData uri="http://schemas.openxmlformats.org/presentationml/2006/ole">
             <mc:AlternateContent xmlns:mc="http://schemas.openxmlformats.org/markup-compatibility/2006">
               <mc:Choice xmlns:v="urn:schemas-microsoft-com:vml" Requires="v">
-                <p:oleObj spid="_x0000_s4165" name="Formula" r:id="rId5" imgW="3144600" imgH="376200" progId="Equation.Ribbit">
+                <p:oleObj spid="_x0000_s4171" name="Formula" r:id="rId5" imgW="3144600" imgH="376200" progId="Equation.Ribbit">
                   <p:embed/>
                 </p:oleObj>
               </mc:Choice>
@@ -32932,17 +32873,7 @@
                 <a:latin typeface="나눔고딕코딩" panose="020D0009000000000000" pitchFamily="49" charset="-127"/>
                 <a:ea typeface="나눔고딕코딩" panose="020D0009000000000000" pitchFamily="49" charset="-127"/>
               </a:rPr>
-              <a:t>성공 </a:t>
-            </a:r>
-            <a:r>
-              <a:rPr lang="ko-KR" altLang="en-US" sz="2800" dirty="0" smtClean="0">
-                <a:solidFill>
-                  <a:schemeClr val="tx1"/>
-                </a:solidFill>
-                <a:latin typeface="나눔고딕코딩" panose="020D0009000000000000" pitchFamily="49" charset="-127"/>
-                <a:ea typeface="나눔고딕코딩" panose="020D0009000000000000" pitchFamily="49" charset="-127"/>
-              </a:rPr>
-              <a:t>확률에</a:t>
+              <a:t>성공 확률에</a:t>
             </a:r>
             <a:r>
               <a:rPr lang="en-US" altLang="ko-KR" sz="2800" dirty="0">
@@ -33227,17 +33158,7 @@
                 <a:latin typeface="나눔고딕코딩" panose="020D0009000000000000" pitchFamily="49" charset="-127"/>
                 <a:ea typeface="나눔고딕코딩" panose="020D0009000000000000" pitchFamily="49" charset="-127"/>
               </a:rPr>
-              <a:t>쥐를 여러 그룹으로 </a:t>
-            </a:r>
-            <a:r>
-              <a:rPr lang="ko-KR" altLang="en-US" sz="2800" dirty="0" smtClean="0">
-                <a:solidFill>
-                  <a:schemeClr val="tx1"/>
-                </a:solidFill>
-                <a:latin typeface="나눔고딕코딩" panose="020D0009000000000000" pitchFamily="49" charset="-127"/>
-                <a:ea typeface="나눔고딕코딩" panose="020D0009000000000000" pitchFamily="49" charset="-127"/>
-              </a:rPr>
-              <a:t>나눈 후 각각 약의 양</a:t>
+              <a:t>쥐를 여러 그룹으로 나눈 후 각각 약의 양</a:t>
             </a:r>
             <a:r>
               <a:rPr lang="en-US" altLang="ko-KR" sz="2800" dirty="0" smtClean="0">
@@ -33257,17 +33178,7 @@
                 <a:latin typeface="나눔고딕코딩" panose="020D0009000000000000" pitchFamily="49" charset="-127"/>
                 <a:ea typeface="나눔고딕코딩" panose="020D0009000000000000" pitchFamily="49" charset="-127"/>
               </a:rPr>
-              <a:t>을 </a:t>
-            </a:r>
-            <a:r>
-              <a:rPr lang="ko-KR" altLang="en-US" sz="2800" dirty="0" smtClean="0">
-                <a:solidFill>
-                  <a:schemeClr val="tx1"/>
-                </a:solidFill>
-                <a:latin typeface="나눔고딕코딩" panose="020D0009000000000000" pitchFamily="49" charset="-127"/>
-                <a:ea typeface="나눔고딕코딩" panose="020D0009000000000000" pitchFamily="49" charset="-127"/>
-              </a:rPr>
-              <a:t>조절하여</a:t>
+              <a:t>을 조절하여</a:t>
             </a:r>
             <a:r>
               <a:rPr lang="en-US" altLang="ko-KR" sz="2800" dirty="0" smtClean="0">
@@ -33287,37 +33198,7 @@
                 <a:latin typeface="나눔고딕코딩" panose="020D0009000000000000" pitchFamily="49" charset="-127"/>
                 <a:ea typeface="나눔고딕코딩" panose="020D0009000000000000" pitchFamily="49" charset="-127"/>
               </a:rPr>
-              <a:t>주입해 </a:t>
-            </a:r>
-            <a:r>
-              <a:rPr lang="ko-KR" altLang="en-US" sz="2800" dirty="0" smtClean="0">
-                <a:solidFill>
-                  <a:schemeClr val="tx1"/>
-                </a:solidFill>
-                <a:latin typeface="나눔고딕코딩" panose="020D0009000000000000" pitchFamily="49" charset="-127"/>
-                <a:ea typeface="나눔고딕코딩" panose="020D0009000000000000" pitchFamily="49" charset="-127"/>
-              </a:rPr>
-              <a:t>몇 </a:t>
-            </a:r>
-            <a:r>
-              <a:rPr lang="ko-KR" altLang="en-US" sz="2800" dirty="0" smtClean="0">
-                <a:solidFill>
-                  <a:schemeClr val="tx1"/>
-                </a:solidFill>
-                <a:latin typeface="나눔고딕코딩" panose="020D0009000000000000" pitchFamily="49" charset="-127"/>
-                <a:ea typeface="나눔고딕코딩" panose="020D0009000000000000" pitchFamily="49" charset="-127"/>
-              </a:rPr>
-              <a:t>마리가 죽는지 실험을 </a:t>
-            </a:r>
-            <a:r>
-              <a:rPr lang="ko-KR" altLang="en-US" sz="2800" dirty="0" smtClean="0">
-                <a:solidFill>
-                  <a:schemeClr val="tx1"/>
-                </a:solidFill>
-                <a:latin typeface="나눔고딕코딩" panose="020D0009000000000000" pitchFamily="49" charset="-127"/>
-                <a:ea typeface="나눔고딕코딩" panose="020D0009000000000000" pitchFamily="49" charset="-127"/>
-              </a:rPr>
-              <a:t>한다</a:t>
+              <a:t>주입해 몇 마리가 죽는지 실험을 한다</a:t>
             </a:r>
             <a:r>
               <a:rPr lang="en-US" altLang="ko-KR" sz="2800" dirty="0" smtClean="0">
@@ -33389,13 +33270,6 @@
               </a:rPr>
               <a:t>.</a:t>
             </a:r>
-            <a:endParaRPr lang="en-US" altLang="ko-KR" sz="2800" dirty="0" smtClean="0">
-              <a:solidFill>
-                <a:schemeClr val="tx1"/>
-              </a:solidFill>
-              <a:latin typeface="나눔고딕코딩" panose="020D0009000000000000" pitchFamily="49" charset="-127"/>
-              <a:ea typeface="나눔고딕코딩" panose="020D0009000000000000" pitchFamily="49" charset="-127"/>
-            </a:endParaRPr>
           </a:p>
         </p:txBody>
       </p:sp>
